--- a/2022/psemi2022/GroupA/発表スライド/GroupA発表スライド.pptx
+++ b/2022/psemi2022/GroupA/発表スライド/GroupA発表スライド.pptx
@@ -205,7 +205,7 @@
           <a:p>
             <a:fld id="{46C5039D-E79E-9C44-8565-9D19A990C4C2}" type="datetimeFigureOut">
               <a:rPr kumimoji="1" lang="ja-JP" altLang="en-US" smtClean="0"/>
-              <a:t>2022/5/25</a:t>
+              <a:t>2022/5/27</a:t>
             </a:fld>
             <a:endParaRPr kumimoji="1" lang="ja-JP" altLang="en-US"/>
           </a:p>
@@ -735,7 +735,7 @@
           <a:p>
             <a:fld id="{A075AFE4-9586-B949-9EAA-4931EF4C98D7}" type="datetimeFigureOut">
               <a:rPr kumimoji="1" lang="ja-JP" altLang="en-US" smtClean="0"/>
-              <a:t>2022/5/25</a:t>
+              <a:t>2022/5/27</a:t>
             </a:fld>
             <a:endParaRPr kumimoji="1" lang="ja-JP" altLang="en-US"/>
           </a:p>
@@ -965,7 +965,7 @@
           <a:p>
             <a:fld id="{A075AFE4-9586-B949-9EAA-4931EF4C98D7}" type="datetimeFigureOut">
               <a:rPr kumimoji="1" lang="ja-JP" altLang="en-US" smtClean="0"/>
-              <a:t>2022/5/25</a:t>
+              <a:t>2022/5/27</a:t>
             </a:fld>
             <a:endParaRPr kumimoji="1" lang="ja-JP" altLang="en-US"/>
           </a:p>
@@ -1205,7 +1205,7 @@
           <a:p>
             <a:fld id="{A075AFE4-9586-B949-9EAA-4931EF4C98D7}" type="datetimeFigureOut">
               <a:rPr kumimoji="1" lang="ja-JP" altLang="en-US" smtClean="0"/>
-              <a:t>2022/5/25</a:t>
+              <a:t>2022/5/27</a:t>
             </a:fld>
             <a:endParaRPr kumimoji="1" lang="ja-JP" altLang="en-US"/>
           </a:p>
@@ -1435,7 +1435,7 @@
           <a:p>
             <a:fld id="{A075AFE4-9586-B949-9EAA-4931EF4C98D7}" type="datetimeFigureOut">
               <a:rPr kumimoji="1" lang="ja-JP" altLang="en-US" smtClean="0"/>
-              <a:t>2022/5/25</a:t>
+              <a:t>2022/5/27</a:t>
             </a:fld>
             <a:endParaRPr kumimoji="1" lang="ja-JP" altLang="en-US"/>
           </a:p>
@@ -1710,7 +1710,7 @@
           <a:p>
             <a:fld id="{A075AFE4-9586-B949-9EAA-4931EF4C98D7}" type="datetimeFigureOut">
               <a:rPr kumimoji="1" lang="ja-JP" altLang="en-US" smtClean="0"/>
-              <a:t>2022/5/25</a:t>
+              <a:t>2022/5/27</a:t>
             </a:fld>
             <a:endParaRPr kumimoji="1" lang="ja-JP" altLang="en-US"/>
           </a:p>
@@ -2039,7 +2039,7 @@
           <a:p>
             <a:fld id="{A075AFE4-9586-B949-9EAA-4931EF4C98D7}" type="datetimeFigureOut">
               <a:rPr kumimoji="1" lang="ja-JP" altLang="en-US" smtClean="0"/>
-              <a:t>2022/5/25</a:t>
+              <a:t>2022/5/27</a:t>
             </a:fld>
             <a:endParaRPr kumimoji="1" lang="ja-JP" altLang="en-US"/>
           </a:p>
@@ -2515,7 +2515,7 @@
           <a:p>
             <a:fld id="{A075AFE4-9586-B949-9EAA-4931EF4C98D7}" type="datetimeFigureOut">
               <a:rPr kumimoji="1" lang="ja-JP" altLang="en-US" smtClean="0"/>
-              <a:t>2022/5/25</a:t>
+              <a:t>2022/5/27</a:t>
             </a:fld>
             <a:endParaRPr kumimoji="1" lang="ja-JP" altLang="en-US"/>
           </a:p>
@@ -2656,7 +2656,7 @@
           <a:p>
             <a:fld id="{A075AFE4-9586-B949-9EAA-4931EF4C98D7}" type="datetimeFigureOut">
               <a:rPr kumimoji="1" lang="ja-JP" altLang="en-US" smtClean="0"/>
-              <a:t>2022/5/25</a:t>
+              <a:t>2022/5/27</a:t>
             </a:fld>
             <a:endParaRPr kumimoji="1" lang="ja-JP" altLang="en-US"/>
           </a:p>
@@ -2769,7 +2769,7 @@
           <a:p>
             <a:fld id="{A075AFE4-9586-B949-9EAA-4931EF4C98D7}" type="datetimeFigureOut">
               <a:rPr kumimoji="1" lang="ja-JP" altLang="en-US" smtClean="0"/>
-              <a:t>2022/5/25</a:t>
+              <a:t>2022/5/27</a:t>
             </a:fld>
             <a:endParaRPr kumimoji="1" lang="ja-JP" altLang="en-US"/>
           </a:p>
@@ -3112,7 +3112,7 @@
           <a:p>
             <a:fld id="{A075AFE4-9586-B949-9EAA-4931EF4C98D7}" type="datetimeFigureOut">
               <a:rPr kumimoji="1" lang="ja-JP" altLang="en-US" smtClean="0"/>
-              <a:t>2022/5/25</a:t>
+              <a:t>2022/5/27</a:t>
             </a:fld>
             <a:endParaRPr kumimoji="1" lang="ja-JP" altLang="en-US"/>
           </a:p>
@@ -3400,7 +3400,7 @@
           <a:p>
             <a:fld id="{A075AFE4-9586-B949-9EAA-4931EF4C98D7}" type="datetimeFigureOut">
               <a:rPr kumimoji="1" lang="ja-JP" altLang="en-US" smtClean="0"/>
-              <a:t>2022/5/25</a:t>
+              <a:t>2022/5/27</a:t>
             </a:fld>
             <a:endParaRPr kumimoji="1" lang="ja-JP" altLang="en-US"/>
           </a:p>
@@ -3673,7 +3673,7 @@
           <a:p>
             <a:fld id="{A075AFE4-9586-B949-9EAA-4931EF4C98D7}" type="datetimeFigureOut">
               <a:rPr kumimoji="1" lang="ja-JP" altLang="en-US" smtClean="0"/>
-              <a:t>2022/5/25</a:t>
+              <a:t>2022/5/27</a:t>
             </a:fld>
             <a:endParaRPr kumimoji="1" lang="ja-JP" altLang="en-US"/>
           </a:p>
@@ -5735,8 +5735,8 @@
         </p:nvSpPr>
         <p:spPr>
           <a:xfrm>
-            <a:off x="621631" y="2782958"/>
-            <a:ext cx="10948737" cy="2062103"/>
+            <a:off x="621631" y="2494200"/>
+            <a:ext cx="10948737" cy="3046988"/>
           </a:xfrm>
           <a:prstGeom prst="rect">
             <a:avLst/>
@@ -5764,7 +5764,7 @@
                 <a:latin typeface="Meiryo" panose="020B0604030504040204" pitchFamily="34" charset="-128"/>
                 <a:ea typeface="Meiryo" panose="020B0604030504040204" pitchFamily="34" charset="-128"/>
               </a:rPr>
-              <a:t>の機能について理解することができた。</a:t>
+              <a:t>の機能について理解することができた</a:t>
             </a:r>
             <a:endParaRPr lang="en-US" altLang="ja-JP" sz="3200" dirty="0">
               <a:latin typeface="Meiryo" panose="020B0604030504040204" pitchFamily="34" charset="-128"/>
@@ -5789,7 +5789,39 @@
                 <a:latin typeface="Meiryo" panose="020B0604030504040204" pitchFamily="34" charset="-128"/>
                 <a:ea typeface="Meiryo" panose="020B0604030504040204" pitchFamily="34" charset="-128"/>
               </a:rPr>
-              <a:t>概要を知らない人でも、理解できるアプリケーションを制作することができた。</a:t>
+              <a:t>概要を知らない人でも、理解できるアプリケーションを制作することができた</a:t>
+            </a:r>
+            <a:endParaRPr kumimoji="1" lang="en-US" altLang="ja-JP" sz="3200" dirty="0">
+              <a:latin typeface="Meiryo" panose="020B0604030504040204" pitchFamily="34" charset="-128"/>
+              <a:ea typeface="Meiryo" panose="020B0604030504040204" pitchFamily="34" charset="-128"/>
+            </a:endParaRPr>
+          </a:p>
+          <a:p>
+            <a:pPr marL="514350" indent="-514350">
+              <a:buAutoNum type="arabicPeriod"/>
+            </a:pPr>
+            <a:endParaRPr lang="en-US" altLang="ja-JP" sz="3200" dirty="0">
+              <a:latin typeface="Meiryo" panose="020B0604030504040204" pitchFamily="34" charset="-128"/>
+              <a:ea typeface="Meiryo" panose="020B0604030504040204" pitchFamily="34" charset="-128"/>
+            </a:endParaRPr>
+          </a:p>
+          <a:p>
+            <a:pPr marL="514350" indent="-514350">
+              <a:buAutoNum type="arabicPeriod"/>
+            </a:pPr>
+            <a:r>
+              <a:rPr kumimoji="1" lang="en-US" altLang="ja-JP" sz="3200" dirty="0">
+                <a:latin typeface="Meiryo" panose="020B0604030504040204" pitchFamily="34" charset="-128"/>
+                <a:ea typeface="Meiryo" panose="020B0604030504040204" pitchFamily="34" charset="-128"/>
+              </a:rPr>
+              <a:t>GitHub</a:t>
+            </a:r>
+            <a:r>
+              <a:rPr kumimoji="1" lang="ja-JP" altLang="en-US" sz="3200">
+                <a:latin typeface="Meiryo" panose="020B0604030504040204" pitchFamily="34" charset="-128"/>
+                <a:ea typeface="Meiryo" panose="020B0604030504040204" pitchFamily="34" charset="-128"/>
+              </a:rPr>
+              <a:t>を有効活用し、作業を進めることができた</a:t>
             </a:r>
           </a:p>
         </p:txBody>
@@ -5957,7 +5989,7 @@
                 <a:latin typeface="Meiryo" panose="020B0604030504040204" pitchFamily="34" charset="-128"/>
                 <a:ea typeface="Meiryo" panose="020B0604030504040204" pitchFamily="34" charset="-128"/>
               </a:rPr>
-              <a:t>を再現したプログラムの作成。</a:t>
+              <a:t>を再現したプログラムの作成</a:t>
             </a:r>
             <a:endParaRPr lang="en-US" altLang="ja-JP" sz="3200" dirty="0">
               <a:latin typeface="Meiryo" panose="020B0604030504040204" pitchFamily="34" charset="-128"/>
@@ -5989,7 +6021,7 @@
                 <a:latin typeface="Meiryo" panose="020B0604030504040204" pitchFamily="34" charset="-128"/>
                 <a:ea typeface="Meiryo" panose="020B0604030504040204" pitchFamily="34" charset="-128"/>
               </a:rPr>
-              <a:t>アプリケーションの作成。</a:t>
+              <a:t>アプリケーションの作成</a:t>
             </a:r>
             <a:endParaRPr kumimoji="1" lang="ja-JP" altLang="en-US" sz="3200">
               <a:latin typeface="Meiryo" panose="020B0604030504040204" pitchFamily="34" charset="-128"/>

--- a/2022/psemi2022/GroupA/発表スライド/GroupA発表スライド.pptx
+++ b/2022/psemi2022/GroupA/発表スライド/GroupA発表スライド.pptx
@@ -5735,7 +5735,7 @@
         </p:nvSpPr>
         <p:spPr>
           <a:xfrm>
-            <a:off x="621631" y="2494200"/>
+            <a:off x="621631" y="2518263"/>
             <a:ext cx="10948737" cy="3046988"/>
           </a:xfrm>
           <a:prstGeom prst="rect">
